--- a/classes/dm2017_1/dm1_7.pptx
+++ b/classes/dm2017_1/dm1_7.pptx
@@ -223,7 +223,7 @@
           <a:p>
             <a:fld id="{B5D18E4F-8904-49F0-A966-ED8BC304F0DA}" type="datetimeFigureOut">
               <a:rPr kumimoji="1" lang="ja-JP" altLang="en-US" smtClean="0"/>
-              <a:t>2017/9/8</a:t>
+              <a:t>2018/1/5</a:t>
             </a:fld>
             <a:endParaRPr kumimoji="1" lang="ja-JP" altLang="en-US"/>
           </a:p>
@@ -1234,7 +1234,7 @@
           <a:p>
             <a:fld id="{B10875E1-285E-4E62-A15A-65F7A0855A09}" type="datetimeFigureOut">
               <a:rPr kumimoji="1" lang="ja-JP" altLang="en-US" smtClean="0"/>
-              <a:t>2017/9/8</a:t>
+              <a:t>2018/1/5</a:t>
             </a:fld>
             <a:endParaRPr kumimoji="1" lang="ja-JP" altLang="en-US"/>
           </a:p>
@@ -1460,7 +1460,7 @@
           <a:p>
             <a:fld id="{B10875E1-285E-4E62-A15A-65F7A0855A09}" type="datetimeFigureOut">
               <a:rPr kumimoji="1" lang="ja-JP" altLang="en-US" smtClean="0"/>
-              <a:t>2017/9/8</a:t>
+              <a:t>2018/1/5</a:t>
             </a:fld>
             <a:endParaRPr kumimoji="1" lang="ja-JP" altLang="en-US"/>
           </a:p>
@@ -1696,7 +1696,7 @@
           <a:p>
             <a:fld id="{B10875E1-285E-4E62-A15A-65F7A0855A09}" type="datetimeFigureOut">
               <a:rPr kumimoji="1" lang="ja-JP" altLang="en-US" smtClean="0"/>
-              <a:t>2017/9/8</a:t>
+              <a:t>2018/1/5</a:t>
             </a:fld>
             <a:endParaRPr kumimoji="1" lang="ja-JP" altLang="en-US"/>
           </a:p>
@@ -1922,7 +1922,7 @@
           <a:p>
             <a:fld id="{B10875E1-285E-4E62-A15A-65F7A0855A09}" type="datetimeFigureOut">
               <a:rPr kumimoji="1" lang="ja-JP" altLang="en-US" smtClean="0"/>
-              <a:t>2017/9/8</a:t>
+              <a:t>2018/1/5</a:t>
             </a:fld>
             <a:endParaRPr kumimoji="1" lang="ja-JP" altLang="en-US"/>
           </a:p>
@@ -2192,7 +2192,7 @@
           <a:p>
             <a:fld id="{B10875E1-285E-4E62-A15A-65F7A0855A09}" type="datetimeFigureOut">
               <a:rPr kumimoji="1" lang="ja-JP" altLang="en-US" smtClean="0"/>
-              <a:t>2017/9/8</a:t>
+              <a:t>2018/1/5</a:t>
             </a:fld>
             <a:endParaRPr kumimoji="1" lang="ja-JP" altLang="en-US"/>
           </a:p>
@@ -2601,7 +2601,7 @@
             <a:fld id="{B10875E1-285E-4E62-A15A-65F7A0855A09}" type="datetimeFigureOut">
               <a:rPr lang="ja-JP" altLang="en-US" smtClean="0"/>
               <a:pPr/>
-              <a:t>2017/9/8</a:t>
+              <a:t>2018/1/5</a:t>
             </a:fld>
             <a:endParaRPr lang="ja-JP" altLang="en-US"/>
           </a:p>
@@ -3170,7 +3170,7 @@
             <a:fld id="{B10875E1-285E-4E62-A15A-65F7A0855A09}" type="datetimeFigureOut">
               <a:rPr lang="ja-JP" altLang="en-US" smtClean="0"/>
               <a:pPr/>
-              <a:t>2017/9/8</a:t>
+              <a:t>2018/1/5</a:t>
             </a:fld>
             <a:endParaRPr lang="ja-JP" altLang="en-US"/>
           </a:p>
@@ -3329,7 +3329,7 @@
           <a:p>
             <a:fld id="{B10875E1-285E-4E62-A15A-65F7A0855A09}" type="datetimeFigureOut">
               <a:rPr kumimoji="1" lang="ja-JP" altLang="en-US" smtClean="0"/>
-              <a:t>2017/9/8</a:t>
+              <a:t>2018/1/5</a:t>
             </a:fld>
             <a:endParaRPr kumimoji="1" lang="ja-JP" altLang="en-US"/>
           </a:p>
@@ -3448,7 +3448,7 @@
           <a:p>
             <a:fld id="{B10875E1-285E-4E62-A15A-65F7A0855A09}" type="datetimeFigureOut">
               <a:rPr kumimoji="1" lang="ja-JP" altLang="en-US" smtClean="0"/>
-              <a:t>2017/9/8</a:t>
+              <a:t>2018/1/5</a:t>
             </a:fld>
             <a:endParaRPr kumimoji="1" lang="ja-JP" altLang="en-US"/>
           </a:p>
@@ -3781,7 +3781,7 @@
           <a:p>
             <a:fld id="{B10875E1-285E-4E62-A15A-65F7A0855A09}" type="datetimeFigureOut">
               <a:rPr kumimoji="1" lang="ja-JP" altLang="en-US" smtClean="0"/>
-              <a:t>2017/9/8</a:t>
+              <a:t>2018/1/5</a:t>
             </a:fld>
             <a:endParaRPr kumimoji="1" lang="ja-JP" altLang="en-US"/>
           </a:p>
@@ -4058,7 +4058,7 @@
           <a:p>
             <a:fld id="{B10875E1-285E-4E62-A15A-65F7A0855A09}" type="datetimeFigureOut">
               <a:rPr kumimoji="1" lang="ja-JP" altLang="en-US" smtClean="0"/>
-              <a:t>2017/9/8</a:t>
+              <a:t>2018/1/5</a:t>
             </a:fld>
             <a:endParaRPr kumimoji="1" lang="ja-JP" altLang="en-US"/>
           </a:p>
@@ -13296,15 +13296,113 @@
                   <a:srgbClr val="00B050"/>
                 </a:solidFill>
               </a:rPr>
-              <a:t>引数は，値渡し</a:t>
-            </a:r>
-            <a:r>
-              <a:rPr lang="ja-JP" altLang="en-US" sz="2000" dirty="0" smtClean="0">
-                <a:solidFill>
-                  <a:srgbClr val="00B050"/>
-                </a:solidFill>
-              </a:rPr>
-              <a:t>（と思ってよい）</a:t>
+              <a:t>引数</a:t>
+            </a:r>
+            <a:r>
+              <a:rPr lang="ja-JP" altLang="en-US" sz="2000" b="1" dirty="0" smtClean="0">
+                <a:solidFill>
+                  <a:srgbClr val="00B050"/>
+                </a:solidFill>
+              </a:rPr>
+              <a:t>は</a:t>
+            </a:r>
+            <a:r>
+              <a:rPr lang="ja-JP" altLang="en-US" sz="2000" b="1" dirty="0" smtClean="0">
+                <a:solidFill>
+                  <a:srgbClr val="00B050"/>
+                </a:solidFill>
+              </a:rPr>
+              <a:t>参照渡し</a:t>
+            </a:r>
+            <a:endParaRPr lang="en-US" altLang="ja-JP" sz="2000" b="1" dirty="0" smtClean="0">
+              <a:solidFill>
+                <a:srgbClr val="00B050"/>
+              </a:solidFill>
+            </a:endParaRPr>
+          </a:p>
+          <a:p>
+            <a:pPr marL="0" indent="0">
+              <a:buNone/>
+            </a:pPr>
+            <a:r>
+              <a:rPr lang="en-US" altLang="ja-JP" sz="2000" dirty="0" smtClean="0">
+                <a:solidFill>
+                  <a:srgbClr val="00B050"/>
+                </a:solidFill>
+              </a:rPr>
+              <a:t>※</a:t>
+            </a:r>
+            <a:r>
+              <a:rPr lang="ja-JP" altLang="en-US" sz="2000" b="1" dirty="0" smtClean="0">
+                <a:solidFill>
+                  <a:srgbClr val="00B050"/>
+                </a:solidFill>
+              </a:rPr>
+              <a:t>ただし</a:t>
+            </a:r>
+            <a:r>
+              <a:rPr lang="en-US" altLang="ja-JP" sz="2000" b="1" dirty="0" smtClean="0">
+                <a:solidFill>
+                  <a:srgbClr val="00B050"/>
+                </a:solidFill>
+              </a:rPr>
+              <a:t>, </a:t>
+            </a:r>
+            <a:r>
+              <a:rPr lang="ja-JP" altLang="en-US" sz="2000" b="1" dirty="0" smtClean="0">
+                <a:solidFill>
+                  <a:srgbClr val="00B050"/>
+                </a:solidFill>
+              </a:rPr>
+              <a:t>組み込み型</a:t>
+            </a:r>
+            <a:r>
+              <a:rPr lang="en-US" altLang="ja-JP" sz="2000" dirty="0" err="1">
+                <a:solidFill>
+                  <a:srgbClr val="00B050"/>
+                </a:solidFill>
+              </a:rPr>
+              <a:t>int</a:t>
+            </a:r>
+            <a:r>
+              <a:rPr lang="en-US" altLang="ja-JP" sz="2000" dirty="0">
+                <a:solidFill>
+                  <a:srgbClr val="00B050"/>
+                </a:solidFill>
+              </a:rPr>
+              <a:t>, float, bool, </a:t>
+            </a:r>
+            <a:r>
+              <a:rPr lang="en-US" altLang="ja-JP" sz="2000" dirty="0" err="1">
+                <a:solidFill>
+                  <a:srgbClr val="00B050"/>
+                </a:solidFill>
+              </a:rPr>
+              <a:t>str</a:t>
+            </a:r>
+            <a:r>
+              <a:rPr lang="en-US" altLang="ja-JP" sz="2000" dirty="0">
+                <a:solidFill>
+                  <a:srgbClr val="00B050"/>
+                </a:solidFill>
+              </a:rPr>
+              <a:t>, tuple, </a:t>
+            </a:r>
+            <a:r>
+              <a:rPr lang="en-US" altLang="ja-JP" sz="2000" dirty="0" err="1" smtClean="0">
+                <a:solidFill>
+                  <a:srgbClr val="00B050"/>
+                </a:solidFill>
+              </a:rPr>
+              <a:t>unicode</a:t>
+            </a:r>
+            <a:r>
+              <a:rPr lang="ja-JP" altLang="en-US" sz="2000" b="1" dirty="0" smtClean="0">
+                <a:solidFill>
+                  <a:srgbClr val="00B050"/>
+                </a:solidFill>
+              </a:rPr>
+              <a:t>は、値渡しのように振舞う</a:t>
             </a:r>
             <a:endParaRPr lang="en-US" altLang="ja-JP" sz="2000" dirty="0">
               <a:solidFill>
@@ -20850,14 +20948,45 @@
               </a:rPr>
               <a:t>とすると</a:t>
             </a:r>
+            <a:endParaRPr lang="en-US" altLang="ja-JP" sz="2000" dirty="0" smtClean="0">
+              <a:solidFill>
+                <a:srgbClr val="00B050"/>
+              </a:solidFill>
+            </a:endParaRPr>
+          </a:p>
+          <a:p>
+            <a:pPr marL="0" indent="0">
+              <a:buNone/>
+            </a:pPr>
+            <a:r>
+              <a:rPr lang="ja-JP" altLang="en-US" sz="2000" dirty="0">
+                <a:solidFill>
+                  <a:srgbClr val="00B050"/>
+                </a:solidFill>
+              </a:rPr>
+              <a:t>　</a:t>
+            </a:r>
+            <a:r>
+              <a:rPr lang="ja-JP" altLang="en-US" sz="2000" dirty="0" smtClean="0">
+                <a:solidFill>
+                  <a:srgbClr val="00B050"/>
+                </a:solidFill>
+              </a:rPr>
+              <a:t>　</a:t>
+            </a:r>
             <a:r>
               <a:rPr lang="en-US" altLang="ja-JP" sz="2000" dirty="0" smtClean="0">
                 <a:solidFill>
                   <a:srgbClr val="00B050"/>
                 </a:solidFill>
               </a:rPr>
-              <a:t>y = 10~20, x=30~40 </a:t>
-            </a:r>
+              <a:t>y = 10~19, x=30~39 </a:t>
+            </a:r>
+          </a:p>
+          <a:p>
+            <a:pPr marL="0" indent="0">
+              <a:buNone/>
+            </a:pPr>
             <a:r>
               <a:rPr lang="ja-JP" altLang="en-US" sz="2000" dirty="0" smtClean="0">
                 <a:solidFill>
